--- a/05 Функции.pptx
+++ b/05 Функции.pptx
@@ -313,7 +313,7 @@
           <a:p>
             <a:fld id="{FE389364-41B5-4343-9AE4-547B2BBB7679}" type="datetimeFigureOut">
               <a:rPr lang="ru-RU" smtClean="0"/>
-              <a:t>26.09.2023</a:t>
+              <a:t>29.04.2024</a:t>
             </a:fld>
             <a:endParaRPr lang="ru-RU"/>
           </a:p>
@@ -762,7 +762,7 @@
           <a:p>
             <a:fld id="{A55E8346-1AE4-4D18-AE08-A571B45FDA13}" type="datetimeFigureOut">
               <a:rPr lang="ru-RU" smtClean="0"/>
-              <a:t>26.09.2023</a:t>
+              <a:t>29.04.2024</a:t>
             </a:fld>
             <a:endParaRPr lang="ru-RU"/>
           </a:p>
@@ -932,7 +932,7 @@
           <a:p>
             <a:fld id="{A55E8346-1AE4-4D18-AE08-A571B45FDA13}" type="datetimeFigureOut">
               <a:rPr lang="ru-RU" smtClean="0"/>
-              <a:t>26.09.2023</a:t>
+              <a:t>29.04.2024</a:t>
             </a:fld>
             <a:endParaRPr lang="ru-RU"/>
           </a:p>
@@ -1112,7 +1112,7 @@
           <a:p>
             <a:fld id="{A55E8346-1AE4-4D18-AE08-A571B45FDA13}" type="datetimeFigureOut">
               <a:rPr lang="ru-RU" smtClean="0"/>
-              <a:t>26.09.2023</a:t>
+              <a:t>29.04.2024</a:t>
             </a:fld>
             <a:endParaRPr lang="ru-RU"/>
           </a:p>
@@ -1282,7 +1282,7 @@
           <a:p>
             <a:fld id="{A55E8346-1AE4-4D18-AE08-A571B45FDA13}" type="datetimeFigureOut">
               <a:rPr lang="ru-RU" smtClean="0"/>
-              <a:t>26.09.2023</a:t>
+              <a:t>29.04.2024</a:t>
             </a:fld>
             <a:endParaRPr lang="ru-RU"/>
           </a:p>
@@ -1528,7 +1528,7 @@
           <a:p>
             <a:fld id="{A55E8346-1AE4-4D18-AE08-A571B45FDA13}" type="datetimeFigureOut">
               <a:rPr lang="ru-RU" smtClean="0"/>
-              <a:t>26.09.2023</a:t>
+              <a:t>29.04.2024</a:t>
             </a:fld>
             <a:endParaRPr lang="ru-RU"/>
           </a:p>
@@ -1816,7 +1816,7 @@
           <a:p>
             <a:fld id="{A55E8346-1AE4-4D18-AE08-A571B45FDA13}" type="datetimeFigureOut">
               <a:rPr lang="ru-RU" smtClean="0"/>
-              <a:t>26.09.2023</a:t>
+              <a:t>29.04.2024</a:t>
             </a:fld>
             <a:endParaRPr lang="ru-RU"/>
           </a:p>
@@ -2238,7 +2238,7 @@
           <a:p>
             <a:fld id="{A55E8346-1AE4-4D18-AE08-A571B45FDA13}" type="datetimeFigureOut">
               <a:rPr lang="ru-RU" smtClean="0"/>
-              <a:t>26.09.2023</a:t>
+              <a:t>29.04.2024</a:t>
             </a:fld>
             <a:endParaRPr lang="ru-RU"/>
           </a:p>
@@ -2356,7 +2356,7 @@
           <a:p>
             <a:fld id="{A55E8346-1AE4-4D18-AE08-A571B45FDA13}" type="datetimeFigureOut">
               <a:rPr lang="ru-RU" smtClean="0"/>
-              <a:t>26.09.2023</a:t>
+              <a:t>29.04.2024</a:t>
             </a:fld>
             <a:endParaRPr lang="ru-RU"/>
           </a:p>
@@ -2451,7 +2451,7 @@
           <a:p>
             <a:fld id="{A55E8346-1AE4-4D18-AE08-A571B45FDA13}" type="datetimeFigureOut">
               <a:rPr lang="ru-RU" smtClean="0"/>
-              <a:t>26.09.2023</a:t>
+              <a:t>29.04.2024</a:t>
             </a:fld>
             <a:endParaRPr lang="ru-RU"/>
           </a:p>
@@ -2728,7 +2728,7 @@
           <a:p>
             <a:fld id="{A55E8346-1AE4-4D18-AE08-A571B45FDA13}" type="datetimeFigureOut">
               <a:rPr lang="ru-RU" smtClean="0"/>
-              <a:t>26.09.2023</a:t>
+              <a:t>29.04.2024</a:t>
             </a:fld>
             <a:endParaRPr lang="ru-RU"/>
           </a:p>
@@ -2981,7 +2981,7 @@
           <a:p>
             <a:fld id="{A55E8346-1AE4-4D18-AE08-A571B45FDA13}" type="datetimeFigureOut">
               <a:rPr lang="ru-RU" smtClean="0"/>
-              <a:t>26.09.2023</a:t>
+              <a:t>29.04.2024</a:t>
             </a:fld>
             <a:endParaRPr lang="ru-RU"/>
           </a:p>
@@ -3194,7 +3194,7 @@
           <a:p>
             <a:fld id="{A55E8346-1AE4-4D18-AE08-A571B45FDA13}" type="datetimeFigureOut">
               <a:rPr lang="ru-RU" smtClean="0"/>
-              <a:t>26.09.2023</a:t>
+              <a:t>29.04.2024</a:t>
             </a:fld>
             <a:endParaRPr lang="ru-RU"/>
           </a:p>
@@ -10190,7 +10190,7 @@
         <p:spPr>
           <a:xfrm>
             <a:off x="10046429" y="1772816"/>
-            <a:ext cx="518091" cy="369332"/>
+            <a:ext cx="1003801" cy="369332"/>
           </a:xfrm>
           <a:prstGeom prst="rect">
             <a:avLst/>
@@ -10206,6 +10206,10 @@
             <a:r>
               <a:rPr lang="en-US" dirty="0"/>
               <a:t>x86</a:t>
+            </a:r>
+            <a:r>
+              <a:rPr lang="en-US"/>
+              <a:t>, arm</a:t>
             </a:r>
             <a:endParaRPr lang="ru-RU" dirty="0"/>
           </a:p>
@@ -20642,26 +20646,15 @@
         <p:spPr/>
         <p:txBody>
           <a:bodyPr>
-            <a:normAutofit fontScale="85000" lnSpcReduction="20000"/>
+            <a:normAutofit/>
           </a:bodyPr>
           <a:lstStyle/>
           <a:p>
             <a:pPr marL="0" indent="0">
               <a:buNone/>
             </a:pPr>
-            <a:endParaRPr lang="en-US" dirty="0">
-              <a:solidFill>
-                <a:srgbClr val="0000FF"/>
-              </a:solidFill>
-              <a:latin typeface="Consolas" panose="020B0609020204030204" pitchFamily="49" charset="0"/>
-            </a:endParaRPr>
-          </a:p>
-          <a:p>
-            <a:pPr marL="0" indent="0">
-              <a:buNone/>
-            </a:pPr>
-            <a:r>
-              <a:rPr lang="en-US" dirty="0" err="1">
+            <a:r>
+              <a:rPr lang="en-US" sz="2400" dirty="0">
                 <a:solidFill>
                   <a:srgbClr val="0000FF"/>
                 </a:solidFill>
@@ -20670,7 +20663,7 @@
               <a:t>int</a:t>
             </a:r>
             <a:r>
-              <a:rPr lang="en-US" dirty="0">
+              <a:rPr lang="en-US" sz="2400" dirty="0">
                 <a:solidFill>
                   <a:srgbClr val="000000"/>
                 </a:solidFill>
@@ -20684,7 +20677,7 @@
               <a:buNone/>
             </a:pPr>
             <a:r>
-              <a:rPr lang="en-US" dirty="0">
+              <a:rPr lang="en-US" sz="2400" dirty="0">
                 <a:solidFill>
                   <a:srgbClr val="000000"/>
                 </a:solidFill>
@@ -20693,7 +20686,7 @@
               <a:t>    </a:t>
             </a:r>
             <a:r>
-              <a:rPr lang="en-US" dirty="0" err="1">
+              <a:rPr lang="en-US" sz="2400" dirty="0" err="1">
                 <a:solidFill>
                   <a:srgbClr val="0000FF"/>
                 </a:solidFill>
@@ -20702,7 +20695,7 @@
               <a:t>int</a:t>
             </a:r>
             <a:r>
-              <a:rPr lang="en-US" dirty="0">
+              <a:rPr lang="en-US" sz="2400" dirty="0">
                 <a:solidFill>
                   <a:srgbClr val="000000"/>
                 </a:solidFill>
@@ -20711,7 +20704,7 @@
               <a:t> a[10], </a:t>
             </a:r>
             <a:r>
-              <a:rPr lang="en-US" dirty="0" err="1">
+              <a:rPr lang="en-US" sz="2400" dirty="0" err="1">
                 <a:solidFill>
                   <a:srgbClr val="000000"/>
                 </a:solidFill>
@@ -20720,7 +20713,7 @@
               <a:t>i</a:t>
             </a:r>
             <a:r>
-              <a:rPr lang="en-US" dirty="0">
+              <a:rPr lang="en-US" sz="2400" dirty="0">
                 <a:solidFill>
                   <a:srgbClr val="000000"/>
                 </a:solidFill>
@@ -20734,7 +20727,7 @@
               <a:buNone/>
             </a:pPr>
             <a:r>
-              <a:rPr lang="nn-NO" dirty="0">
+              <a:rPr lang="nn-NO" sz="2400" dirty="0">
                 <a:solidFill>
                   <a:srgbClr val="000000"/>
                 </a:solidFill>
@@ -20743,7 +20736,7 @@
               <a:t>    </a:t>
             </a:r>
             <a:r>
-              <a:rPr lang="nn-NO" dirty="0">
+              <a:rPr lang="nn-NO" sz="2400" dirty="0">
                 <a:solidFill>
                   <a:srgbClr val="0000FF"/>
                 </a:solidFill>
@@ -20752,7 +20745,7 @@
               <a:t>for</a:t>
             </a:r>
             <a:r>
-              <a:rPr lang="nn-NO" dirty="0">
+              <a:rPr lang="nn-NO" sz="2400" dirty="0">
                 <a:solidFill>
                   <a:srgbClr val="000000"/>
                 </a:solidFill>
@@ -20761,7 +20754,7 @@
               <a:t> (i = 0; i &lt;= 10; </a:t>
             </a:r>
             <a:r>
-              <a:rPr lang="ru-RU" dirty="0">
+              <a:rPr lang="ru-RU" sz="2400" dirty="0">
                 <a:solidFill>
                   <a:srgbClr val="000000"/>
                 </a:solidFill>
@@ -20770,7 +20763,7 @@
               <a:t>++</a:t>
             </a:r>
             <a:r>
-              <a:rPr lang="nn-NO" dirty="0">
+              <a:rPr lang="nn-NO" sz="2400" dirty="0">
                 <a:solidFill>
                   <a:srgbClr val="000000"/>
                 </a:solidFill>
@@ -20784,7 +20777,7 @@
               <a:buNone/>
             </a:pPr>
             <a:r>
-              <a:rPr lang="en-US" dirty="0">
+              <a:rPr lang="en-US" sz="2400" dirty="0">
                 <a:solidFill>
                   <a:srgbClr val="000000"/>
                 </a:solidFill>
@@ -20793,7 +20786,7 @@
               <a:t>        a[</a:t>
             </a:r>
             <a:r>
-              <a:rPr lang="en-US" dirty="0" err="1">
+              <a:rPr lang="en-US" sz="2400" dirty="0" err="1">
                 <a:solidFill>
                   <a:srgbClr val="000000"/>
                 </a:solidFill>
@@ -20802,7 +20795,7 @@
               <a:t>i</a:t>
             </a:r>
             <a:r>
-              <a:rPr lang="en-US" dirty="0">
+              <a:rPr lang="en-US" sz="2400" dirty="0">
                 <a:solidFill>
                   <a:srgbClr val="000000"/>
                 </a:solidFill>
@@ -20816,7 +20809,7 @@
               <a:buNone/>
             </a:pPr>
             <a:r>
-              <a:rPr lang="en-US" dirty="0">
+              <a:rPr lang="en-US" sz="2400" dirty="0">
                 <a:solidFill>
                   <a:srgbClr val="000000"/>
                 </a:solidFill>
@@ -20830,7 +20823,7 @@
               <a:buNone/>
             </a:pPr>
             <a:r>
-              <a:rPr lang="en-US" dirty="0">
+              <a:rPr lang="en-US" sz="2400" dirty="0">
                 <a:solidFill>
                   <a:srgbClr val="000000"/>
                 </a:solidFill>
@@ -20839,7 +20832,7 @@
               <a:t>    </a:t>
             </a:r>
             <a:r>
-              <a:rPr lang="en-US" dirty="0">
+              <a:rPr lang="en-US" sz="2400" dirty="0">
                 <a:solidFill>
                   <a:srgbClr val="0000FF"/>
                 </a:solidFill>
@@ -20848,7 +20841,7 @@
               <a:t>return</a:t>
             </a:r>
             <a:r>
-              <a:rPr lang="en-US" dirty="0">
+              <a:rPr lang="en-US" sz="2400" dirty="0">
                 <a:solidFill>
                   <a:srgbClr val="000000"/>
                 </a:solidFill>
@@ -20862,7 +20855,7 @@
               <a:buNone/>
             </a:pPr>
             <a:r>
-              <a:rPr lang="ru-RU" dirty="0">
+              <a:rPr lang="ru-RU" sz="2400" dirty="0">
                 <a:solidFill>
                   <a:srgbClr val="000000"/>
                 </a:solidFill>
@@ -20875,16 +20868,7 @@
             <a:pPr marL="68580" indent="0">
               <a:buNone/>
             </a:pPr>
-            <a:endParaRPr lang="ru-RU" dirty="0"/>
-          </a:p>
-          <a:p>
-            <a:pPr marL="68580" indent="0">
-              <a:buNone/>
-            </a:pPr>
-            <a:r>
-              <a:rPr lang="ru-RU" dirty="0"/>
-              <a:t>Что может делать эта программа?</a:t>
-            </a:r>
+            <a:endParaRPr lang="ru-RU" sz="2400" dirty="0"/>
           </a:p>
         </p:txBody>
       </p:sp>
@@ -20897,14 +20881,14 @@
           <p:nvPr>
             <p:extLst>
               <p:ext uri="{D42A27DB-BD31-4B8C-83A1-F6EECF244321}">
-                <p14:modId xmlns:p14="http://schemas.microsoft.com/office/powerpoint/2010/main" val="634355942"/>
+                <p14:modId xmlns:p14="http://schemas.microsoft.com/office/powerpoint/2010/main" val="2123580889"/>
               </p:ext>
             </p:extLst>
           </p:nvPr>
         </p:nvGraphicFramePr>
         <p:xfrm>
-          <a:off x="8414048" y="1417638"/>
-          <a:ext cx="3168352" cy="4754880"/>
+          <a:off x="8414048" y="1578506"/>
+          <a:ext cx="3168352" cy="4389120"/>
         </p:xfrm>
         <a:graphic>
           <a:graphicData uri="http://schemas.openxmlformats.org/drawingml/2006/table">
@@ -20921,32 +20905,6 @@
                   </a:extLst>
                 </a:gridCol>
               </a:tblGrid>
-              <a:tr h="338853">
-                <a:tc>
-                  <a:txBody>
-                    <a:bodyPr/>
-                    <a:lstStyle/>
-                    <a:p>
-                      <a:pPr algn="ctr"/>
-                      <a:r>
-                        <a:rPr lang="ru-RU" dirty="0"/>
-                        <a:t>Стек в </a:t>
-                      </a:r>
-                      <a:r>
-                        <a:rPr lang="en-US" dirty="0"/>
-                        <a:t>main</a:t>
-                      </a:r>
-                      <a:endParaRPr lang="ru-RU" b="1" dirty="0"/>
-                    </a:p>
-                  </a:txBody>
-                  <a:tcPr/>
-                </a:tc>
-                <a:extLst>
-                  <a:ext uri="{0D108BD9-81ED-4DB2-BD59-A6C34878D82A}">
-                    <a16:rowId xmlns:a16="http://schemas.microsoft.com/office/drawing/2014/main" val="10000"/>
-                  </a:ext>
-                </a:extLst>
-              </a:tr>
               <a:tr h="338853">
                 <a:tc>
                   <a:txBody>
@@ -21365,7 +21323,11 @@
                       <a:pPr algn="ctr"/>
                       <a:r>
                         <a:rPr lang="ru-RU" dirty="0"/>
-                        <a:t>Адрес возврата в загрузчик</a:t>
+                        <a:t>Адрес возврата в из </a:t>
+                      </a:r>
+                      <a:r>
+                        <a:rPr lang="en-US" dirty="0"/>
+                        <a:t>main</a:t>
                       </a:r>
                       <a:endParaRPr lang="ru-RU" b="1" dirty="0">
                         <a:solidFill>
@@ -21398,7 +21360,7 @@
         </p:nvGrpSpPr>
         <p:grpSpPr>
           <a:xfrm>
-            <a:off x="7898410" y="2171668"/>
+            <a:off x="7929993" y="2081553"/>
             <a:ext cx="348544" cy="3383027"/>
             <a:chOff x="7895618" y="2403647"/>
             <a:chExt cx="348544" cy="3383027"/>
@@ -21526,6 +21488,46 @@
           </p:txBody>
         </p:sp>
       </p:grpSp>
+      <p:sp>
+        <p:nvSpPr>
+          <p:cNvPr id="5" name="TextBox 4">
+            <a:extLst>
+              <a:ext uri="{FF2B5EF4-FFF2-40B4-BE49-F238E27FC236}">
+                <a16:creationId xmlns:a16="http://schemas.microsoft.com/office/drawing/2014/main" id="{8B3E4101-3676-6129-DE57-AA402C07D942}"/>
+              </a:ext>
+            </a:extLst>
+          </p:cNvPr>
+          <p:cNvSpPr txBox="1"/>
+          <p:nvPr/>
+        </p:nvSpPr>
+        <p:spPr>
+          <a:xfrm rot="16200000">
+            <a:off x="6526377" y="3588400"/>
+            <a:ext cx="2166875" cy="369332"/>
+          </a:xfrm>
+          <a:prstGeom prst="rect">
+            <a:avLst/>
+          </a:prstGeom>
+          <a:noFill/>
+        </p:spPr>
+        <p:txBody>
+          <a:bodyPr wrap="none" rtlCol="0">
+            <a:spAutoFit/>
+          </a:bodyPr>
+          <a:lstStyle/>
+          <a:p>
+            <a:r>
+              <a:rPr lang="ru-RU" dirty="0"/>
+              <a:t>Стековый кадр </a:t>
+            </a:r>
+            <a:r>
+              <a:rPr lang="en-US" dirty="0"/>
+              <a:t>main</a:t>
+            </a:r>
+            <a:endParaRPr lang="ru-RU" dirty="0"/>
+          </a:p>
+        </p:txBody>
+      </p:sp>
     </p:spTree>
     <p:extLst>
       <p:ext uri="{BB962C8B-B14F-4D97-AF65-F5344CB8AC3E}">
@@ -21890,41 +21892,80 @@
         <p:spPr/>
         <p:txBody>
           <a:bodyPr>
-            <a:normAutofit fontScale="77500" lnSpcReduction="20000"/>
+            <a:normAutofit/>
           </a:bodyPr>
           <a:lstStyle/>
           <a:p>
             <a:pPr marL="0" lvl="0" indent="0">
               <a:buNone/>
             </a:pPr>
-            <a:endParaRPr lang="en-US" sz="3500" dirty="0">
-              <a:solidFill>
-                <a:srgbClr val="0000FF"/>
-              </a:solidFill>
-              <a:latin typeface="Consolas" panose="020B0609020204030204" pitchFamily="49" charset="0"/>
-            </a:endParaRPr>
+            <a:r>
+              <a:rPr lang="en-US" sz="2400" dirty="0">
+                <a:solidFill>
+                  <a:srgbClr val="0000FF"/>
+                </a:solidFill>
+                <a:latin typeface="Consolas" panose="020B0609020204030204" pitchFamily="49" charset="0"/>
+              </a:rPr>
+              <a:t>int</a:t>
+            </a:r>
+            <a:r>
+              <a:rPr lang="en-US" sz="2400" dirty="0">
+                <a:solidFill>
+                  <a:srgbClr val="000000"/>
+                </a:solidFill>
+                <a:latin typeface="Consolas" panose="020B0609020204030204" pitchFamily="49" charset="0"/>
+              </a:rPr>
+              <a:t> main() {</a:t>
+            </a:r>
           </a:p>
           <a:p>
             <a:pPr marL="0" lvl="0" indent="0">
               <a:buNone/>
             </a:pPr>
             <a:r>
-              <a:rPr lang="en-US" sz="3500" dirty="0" err="1">
+              <a:rPr lang="en-US" sz="2400" dirty="0">
                 <a:solidFill>
                   <a:srgbClr val="0000FF"/>
                 </a:solidFill>
                 <a:latin typeface="Consolas" panose="020B0609020204030204" pitchFamily="49" charset="0"/>
               </a:rPr>
+              <a:t>    </a:t>
+            </a:r>
+            <a:r>
+              <a:rPr lang="en-US" sz="2400" dirty="0" err="1">
+                <a:solidFill>
+                  <a:srgbClr val="0000FF"/>
+                </a:solidFill>
+                <a:latin typeface="Consolas" panose="020B0609020204030204" pitchFamily="49" charset="0"/>
+              </a:rPr>
               <a:t>int</a:t>
             </a:r>
             <a:r>
-              <a:rPr lang="en-US" sz="3500" dirty="0">
-                <a:solidFill>
-                  <a:srgbClr val="000000"/>
-                </a:solidFill>
-                <a:latin typeface="Consolas" panose="020B0609020204030204" pitchFamily="49" charset="0"/>
-              </a:rPr>
-              <a:t> main() {</a:t>
+              <a:rPr lang="en-US" sz="2400" dirty="0">
+                <a:solidFill>
+                  <a:srgbClr val="000000"/>
+                </a:solidFill>
+                <a:latin typeface="Consolas" panose="020B0609020204030204" pitchFamily="49" charset="0"/>
+              </a:rPr>
+              <a:t> a[10], </a:t>
+            </a:r>
+            <a:r>
+              <a:rPr lang="en-US" sz="2400" dirty="0" err="1">
+                <a:solidFill>
+                  <a:srgbClr val="000000"/>
+                </a:solidFill>
+                <a:latin typeface="Consolas" panose="020B0609020204030204" pitchFamily="49" charset="0"/>
+              </a:rPr>
+              <a:t>i</a:t>
+            </a:r>
+            <a:r>
+              <a:rPr lang="en-US" sz="2400" dirty="0">
+                <a:solidFill>
+                  <a:srgbClr val="000000"/>
+                </a:solidFill>
+                <a:latin typeface="Consolas" panose="020B0609020204030204" pitchFamily="49" charset="0"/>
+              </a:rPr>
+              <a:t>;</a:t>
             </a:r>
           </a:p>
           <a:p>
@@ -21932,49 +21973,109 @@
               <a:buNone/>
             </a:pPr>
             <a:r>
-              <a:rPr lang="en-US" sz="3500" dirty="0">
+              <a:rPr lang="nn-NO" sz="2400" dirty="0">
+                <a:solidFill>
+                  <a:srgbClr val="000000"/>
+                </a:solidFill>
+                <a:latin typeface="Consolas" panose="020B0609020204030204" pitchFamily="49" charset="0"/>
+              </a:rPr>
+              <a:t>    </a:t>
+            </a:r>
+            <a:r>
+              <a:rPr lang="nn-NO" sz="2400" dirty="0">
                 <a:solidFill>
                   <a:srgbClr val="0000FF"/>
                 </a:solidFill>
                 <a:latin typeface="Consolas" panose="020B0609020204030204" pitchFamily="49" charset="0"/>
               </a:rPr>
+              <a:t>for</a:t>
+            </a:r>
+            <a:r>
+              <a:rPr lang="nn-NO" sz="2400" dirty="0">
+                <a:solidFill>
+                  <a:srgbClr val="000000"/>
+                </a:solidFill>
+                <a:latin typeface="Consolas" panose="020B0609020204030204" pitchFamily="49" charset="0"/>
+              </a:rPr>
+              <a:t> (i = 9; i &gt;= -1; --i) {</a:t>
+            </a:r>
+          </a:p>
+          <a:p>
+            <a:pPr marL="0" lvl="0" indent="0">
+              <a:buNone/>
+            </a:pPr>
+            <a:r>
+              <a:rPr lang="en-US" sz="2400" dirty="0">
+                <a:solidFill>
+                  <a:srgbClr val="000000"/>
+                </a:solidFill>
+                <a:latin typeface="Consolas" panose="020B0609020204030204" pitchFamily="49" charset="0"/>
+              </a:rPr>
+              <a:t>        a[</a:t>
+            </a:r>
+            <a:r>
+              <a:rPr lang="en-US" sz="2400" dirty="0" err="1">
+                <a:solidFill>
+                  <a:srgbClr val="000000"/>
+                </a:solidFill>
+                <a:latin typeface="Consolas" panose="020B0609020204030204" pitchFamily="49" charset="0"/>
+              </a:rPr>
+              <a:t>i</a:t>
+            </a:r>
+            <a:r>
+              <a:rPr lang="en-US" sz="2400" dirty="0">
+                <a:solidFill>
+                  <a:srgbClr val="000000"/>
+                </a:solidFill>
+                <a:latin typeface="Consolas" panose="020B0609020204030204" pitchFamily="49" charset="0"/>
+              </a:rPr>
+              <a:t>] = 0;</a:t>
+            </a:r>
+          </a:p>
+          <a:p>
+            <a:pPr marL="0" lvl="0" indent="0">
+              <a:buNone/>
+            </a:pPr>
+            <a:r>
+              <a:rPr lang="en-US" sz="2400" dirty="0">
+                <a:solidFill>
+                  <a:srgbClr val="000000"/>
+                </a:solidFill>
+                <a:latin typeface="Consolas" panose="020B0609020204030204" pitchFamily="49" charset="0"/>
+              </a:rPr>
+              <a:t>    }</a:t>
+            </a:r>
+          </a:p>
+          <a:p>
+            <a:pPr marL="0" lvl="0" indent="0">
+              <a:buNone/>
+            </a:pPr>
+            <a:r>
+              <a:rPr lang="en-US" sz="2400" dirty="0">
+                <a:solidFill>
+                  <a:srgbClr val="000000"/>
+                </a:solidFill>
+                <a:latin typeface="Consolas" panose="020B0609020204030204" pitchFamily="49" charset="0"/>
+              </a:rPr>
               <a:t>    </a:t>
             </a:r>
             <a:r>
-              <a:rPr lang="en-US" sz="3500" dirty="0" err="1">
+              <a:rPr lang="en-US" sz="2400" dirty="0">
                 <a:solidFill>
                   <a:srgbClr val="0000FF"/>
                 </a:solidFill>
                 <a:latin typeface="Consolas" panose="020B0609020204030204" pitchFamily="49" charset="0"/>
               </a:rPr>
-              <a:t>int</a:t>
-            </a:r>
-            <a:r>
-              <a:rPr lang="en-US" sz="3500" dirty="0">
-                <a:solidFill>
-                  <a:srgbClr val="000000"/>
-                </a:solidFill>
-                <a:latin typeface="Consolas" panose="020B0609020204030204" pitchFamily="49" charset="0"/>
-              </a:rPr>
-              <a:t> a[10], </a:t>
-            </a:r>
-            <a:r>
-              <a:rPr lang="en-US" sz="3500" dirty="0" err="1">
-                <a:solidFill>
-                  <a:srgbClr val="000000"/>
-                </a:solidFill>
-                <a:latin typeface="Consolas" panose="020B0609020204030204" pitchFamily="49" charset="0"/>
-              </a:rPr>
-              <a:t>i</a:t>
-            </a:r>
-            <a:r>
-              <a:rPr lang="en-US" sz="3500" dirty="0">
-                <a:solidFill>
-                  <a:srgbClr val="000000"/>
-                </a:solidFill>
-                <a:latin typeface="Consolas" panose="020B0609020204030204" pitchFamily="49" charset="0"/>
-              </a:rPr>
-              <a:t>;</a:t>
+              <a:t>return</a:t>
+            </a:r>
+            <a:r>
+              <a:rPr lang="en-US" sz="2400" dirty="0">
+                <a:solidFill>
+                  <a:srgbClr val="000000"/>
+                </a:solidFill>
+                <a:latin typeface="Consolas" panose="020B0609020204030204" pitchFamily="49" charset="0"/>
+              </a:rPr>
+              <a:t> 0;</a:t>
             </a:r>
           </a:p>
           <a:p>
@@ -21982,117 +22083,7 @@
               <a:buNone/>
             </a:pPr>
             <a:r>
-              <a:rPr lang="nn-NO" sz="3500" dirty="0">
-                <a:solidFill>
-                  <a:srgbClr val="000000"/>
-                </a:solidFill>
-                <a:latin typeface="Consolas" panose="020B0609020204030204" pitchFamily="49" charset="0"/>
-              </a:rPr>
-              <a:t>    </a:t>
-            </a:r>
-            <a:r>
-              <a:rPr lang="nn-NO" sz="3500" dirty="0">
-                <a:solidFill>
-                  <a:srgbClr val="0000FF"/>
-                </a:solidFill>
-                <a:latin typeface="Consolas" panose="020B0609020204030204" pitchFamily="49" charset="0"/>
-              </a:rPr>
-              <a:t>for</a:t>
-            </a:r>
-            <a:r>
-              <a:rPr lang="nn-NO" sz="3500" dirty="0">
-                <a:solidFill>
-                  <a:srgbClr val="000000"/>
-                </a:solidFill>
-                <a:latin typeface="Consolas" panose="020B0609020204030204" pitchFamily="49" charset="0"/>
-              </a:rPr>
-              <a:t> (i = 9; i &gt;= -1; --i) {</a:t>
-            </a:r>
-          </a:p>
-          <a:p>
-            <a:pPr marL="0" lvl="0" indent="0">
-              <a:buNone/>
-            </a:pPr>
-            <a:r>
-              <a:rPr lang="en-US" sz="3500" dirty="0">
-                <a:solidFill>
-                  <a:srgbClr val="000000"/>
-                </a:solidFill>
-                <a:latin typeface="Consolas" panose="020B0609020204030204" pitchFamily="49" charset="0"/>
-              </a:rPr>
-              <a:t>        a[</a:t>
-            </a:r>
-            <a:r>
-              <a:rPr lang="en-US" sz="3500" dirty="0" err="1">
-                <a:solidFill>
-                  <a:srgbClr val="000000"/>
-                </a:solidFill>
-                <a:latin typeface="Consolas" panose="020B0609020204030204" pitchFamily="49" charset="0"/>
-              </a:rPr>
-              <a:t>i</a:t>
-            </a:r>
-            <a:r>
-              <a:rPr lang="en-US" sz="3500" dirty="0">
-                <a:solidFill>
-                  <a:srgbClr val="000000"/>
-                </a:solidFill>
-                <a:latin typeface="Consolas" panose="020B0609020204030204" pitchFamily="49" charset="0"/>
-              </a:rPr>
-              <a:t>] = 0;</a:t>
-            </a:r>
-          </a:p>
-          <a:p>
-            <a:pPr marL="0" lvl="0" indent="0">
-              <a:buNone/>
-            </a:pPr>
-            <a:r>
-              <a:rPr lang="en-US" sz="3500" dirty="0">
-                <a:solidFill>
-                  <a:srgbClr val="000000"/>
-                </a:solidFill>
-                <a:latin typeface="Consolas" panose="020B0609020204030204" pitchFamily="49" charset="0"/>
-              </a:rPr>
-              <a:t>    }</a:t>
-            </a:r>
-          </a:p>
-          <a:p>
-            <a:pPr marL="0" lvl="0" indent="0">
-              <a:buNone/>
-            </a:pPr>
-            <a:r>
-              <a:rPr lang="en-US" sz="3500" dirty="0">
-                <a:solidFill>
-                  <a:srgbClr val="000000"/>
-                </a:solidFill>
-                <a:latin typeface="Consolas" panose="020B0609020204030204" pitchFamily="49" charset="0"/>
-              </a:rPr>
-              <a:t>    </a:t>
-            </a:r>
-            <a:r>
-              <a:rPr lang="en-US" sz="3500" dirty="0">
-                <a:solidFill>
-                  <a:srgbClr val="0000FF"/>
-                </a:solidFill>
-                <a:latin typeface="Consolas" panose="020B0609020204030204" pitchFamily="49" charset="0"/>
-              </a:rPr>
-              <a:t>return</a:t>
-            </a:r>
-            <a:r>
-              <a:rPr lang="en-US" sz="3500" dirty="0">
-                <a:solidFill>
-                  <a:srgbClr val="000000"/>
-                </a:solidFill>
-                <a:latin typeface="Consolas" panose="020B0609020204030204" pitchFamily="49" charset="0"/>
-              </a:rPr>
-              <a:t> 0;</a:t>
-            </a:r>
-          </a:p>
-          <a:p>
-            <a:pPr marL="0" lvl="0" indent="0">
-              <a:buNone/>
-            </a:pPr>
-            <a:r>
-              <a:rPr lang="ru-RU" sz="3500" dirty="0">
+              <a:rPr lang="ru-RU" sz="2400" dirty="0">
                 <a:solidFill>
                   <a:srgbClr val="000000"/>
                 </a:solidFill>
@@ -22105,24 +22096,11 @@
             <a:pPr marL="68580" lvl="0" indent="0">
               <a:buNone/>
             </a:pPr>
-            <a:endParaRPr lang="ru-RU" sz="3500" dirty="0">
+            <a:endParaRPr lang="ru-RU" sz="2400" dirty="0">
               <a:solidFill>
                 <a:prstClr val="black"/>
               </a:solidFill>
             </a:endParaRPr>
-          </a:p>
-          <a:p>
-            <a:pPr marL="68580" lvl="0" indent="0">
-              <a:buNone/>
-            </a:pPr>
-            <a:r>
-              <a:rPr lang="ru-RU" sz="3500" dirty="0">
-                <a:solidFill>
-                  <a:prstClr val="black"/>
-                </a:solidFill>
-              </a:rPr>
-              <a:t>Что может делать эта программа?</a:t>
-            </a:r>
           </a:p>
         </p:txBody>
       </p:sp>
@@ -22135,14 +22113,14 @@
           <p:nvPr>
             <p:extLst>
               <p:ext uri="{D42A27DB-BD31-4B8C-83A1-F6EECF244321}">
-                <p14:modId xmlns:p14="http://schemas.microsoft.com/office/powerpoint/2010/main" val="1006087740"/>
+                <p14:modId xmlns:p14="http://schemas.microsoft.com/office/powerpoint/2010/main" val="1592414141"/>
               </p:ext>
             </p:extLst>
           </p:nvPr>
         </p:nvGraphicFramePr>
         <p:xfrm>
-          <a:off x="8414048" y="1417638"/>
-          <a:ext cx="3168352" cy="4754880"/>
+          <a:off x="8414048" y="1628800"/>
+          <a:ext cx="3168352" cy="4389120"/>
         </p:xfrm>
         <a:graphic>
           <a:graphicData uri="http://schemas.openxmlformats.org/drawingml/2006/table">
@@ -22159,7 +22137,7 @@
                   </a:extLst>
                 </a:gridCol>
               </a:tblGrid>
-              <a:tr h="338853">
+              <a:tr h="365760">
                 <a:tc>
                   <a:txBody>
                     <a:bodyPr/>
@@ -22167,36 +22145,10 @@
                     <a:p>
                       <a:pPr algn="ctr"/>
                       <a:r>
-                        <a:rPr lang="ru-RU" dirty="0"/>
-                        <a:t>Стек в </a:t>
-                      </a:r>
-                      <a:r>
-                        <a:rPr lang="en-US" dirty="0"/>
-                        <a:t>main</a:t>
-                      </a:r>
-                      <a:endParaRPr lang="ru-RU" b="1" dirty="0"/>
-                    </a:p>
-                  </a:txBody>
-                  <a:tcPr/>
-                </a:tc>
-                <a:extLst>
-                  <a:ext uri="{0D108BD9-81ED-4DB2-BD59-A6C34878D82A}">
-                    <a16:rowId xmlns:a16="http://schemas.microsoft.com/office/drawing/2014/main" val="10000"/>
-                  </a:ext>
-                </a:extLst>
-              </a:tr>
-              <a:tr h="338853">
-                <a:tc>
-                  <a:txBody>
-                    <a:bodyPr/>
-                    <a:lstStyle/>
-                    <a:p>
-                      <a:pPr algn="ctr"/>
-                      <a:r>
-                        <a:rPr lang="en-US" dirty="0" err="1"/>
+                        <a:rPr lang="en-US" sz="1800" dirty="0" err="1"/>
                         <a:t>i</a:t>
                       </a:r>
-                      <a:endParaRPr lang="ru-RU" b="1" dirty="0">
+                      <a:endParaRPr lang="ru-RU" sz="1800" b="1" dirty="0">
                         <a:solidFill>
                           <a:schemeClr val="bg1"/>
                         </a:solidFill>
@@ -22211,7 +22163,7 @@
                   </a:ext>
                 </a:extLst>
               </a:tr>
-              <a:tr h="338853">
+              <a:tr h="365760">
                 <a:tc>
                   <a:txBody>
                     <a:bodyPr/>
@@ -22219,18 +22171,18 @@
                     <a:p>
                       <a:pPr algn="ctr"/>
                       <a:r>
-                        <a:rPr lang="en-US" dirty="0"/>
+                        <a:rPr lang="en-US" sz="1800" dirty="0"/>
                         <a:t>a[</a:t>
                       </a:r>
                       <a:r>
-                        <a:rPr lang="ru-RU" dirty="0"/>
+                        <a:rPr lang="ru-RU" sz="1800" dirty="0"/>
                         <a:t>9</a:t>
                       </a:r>
                       <a:r>
-                        <a:rPr lang="en-US" dirty="0"/>
+                        <a:rPr lang="en-US" sz="1800" dirty="0"/>
                         <a:t>]</a:t>
                       </a:r>
-                      <a:endParaRPr lang="ru-RU" b="1" dirty="0"/>
+                      <a:endParaRPr lang="ru-RU" sz="1800" b="1" dirty="0"/>
                     </a:p>
                   </a:txBody>
                   <a:tcPr>
@@ -22245,7 +22197,7 @@
                   </a:ext>
                 </a:extLst>
               </a:tr>
-              <a:tr h="338853">
+              <a:tr h="365760">
                 <a:tc>
                   <a:txBody>
                     <a:bodyPr/>
@@ -22253,18 +22205,18 @@
                     <a:p>
                       <a:pPr algn="ctr"/>
                       <a:r>
-                        <a:rPr lang="en-US" dirty="0"/>
+                        <a:rPr lang="en-US" sz="1800" dirty="0"/>
                         <a:t>a[</a:t>
                       </a:r>
                       <a:r>
-                        <a:rPr lang="ru-RU" dirty="0"/>
+                        <a:rPr lang="ru-RU" sz="1800" dirty="0"/>
                         <a:t>8</a:t>
                       </a:r>
                       <a:r>
-                        <a:rPr lang="en-US" dirty="0"/>
+                        <a:rPr lang="en-US" sz="1800" dirty="0"/>
                         <a:t>]</a:t>
                       </a:r>
-                      <a:endParaRPr lang="ru-RU" b="1" dirty="0"/>
+                      <a:endParaRPr lang="ru-RU" sz="1800" b="1" dirty="0"/>
                     </a:p>
                   </a:txBody>
                   <a:tcPr>
@@ -22279,7 +22231,7 @@
                   </a:ext>
                 </a:extLst>
               </a:tr>
-              <a:tr h="338853">
+              <a:tr h="365760">
                 <a:tc>
                   <a:txBody>
                     <a:bodyPr/>
@@ -22287,18 +22239,18 @@
                     <a:p>
                       <a:pPr algn="ctr"/>
                       <a:r>
-                        <a:rPr lang="en-US" dirty="0"/>
+                        <a:rPr lang="en-US" sz="1800" dirty="0"/>
                         <a:t>a[</a:t>
                       </a:r>
                       <a:r>
-                        <a:rPr lang="ru-RU" dirty="0"/>
+                        <a:rPr lang="ru-RU" sz="1800" dirty="0"/>
                         <a:t>7</a:t>
                       </a:r>
                       <a:r>
-                        <a:rPr lang="en-US" dirty="0"/>
+                        <a:rPr lang="en-US" sz="1800" dirty="0"/>
                         <a:t>]</a:t>
                       </a:r>
-                      <a:endParaRPr lang="ru-RU" b="1" dirty="0"/>
+                      <a:endParaRPr lang="ru-RU" sz="1800" b="1" dirty="0"/>
                     </a:p>
                   </a:txBody>
                   <a:tcPr>
@@ -22313,7 +22265,7 @@
                   </a:ext>
                 </a:extLst>
               </a:tr>
-              <a:tr h="338853">
+              <a:tr h="365760">
                 <a:tc>
                   <a:txBody>
                     <a:bodyPr/>
@@ -22321,18 +22273,18 @@
                     <a:p>
                       <a:pPr algn="ctr"/>
                       <a:r>
-                        <a:rPr lang="en-US" dirty="0"/>
+                        <a:rPr lang="en-US" sz="1800" dirty="0"/>
                         <a:t>a[</a:t>
                       </a:r>
                       <a:r>
-                        <a:rPr lang="ru-RU" dirty="0"/>
+                        <a:rPr lang="ru-RU" sz="1800" dirty="0"/>
                         <a:t>6</a:t>
                       </a:r>
                       <a:r>
-                        <a:rPr lang="en-US" dirty="0"/>
+                        <a:rPr lang="en-US" sz="1800" dirty="0"/>
                         <a:t>]</a:t>
                       </a:r>
-                      <a:endParaRPr lang="ru-RU" b="1" dirty="0"/>
+                      <a:endParaRPr lang="ru-RU" sz="1800" b="1" dirty="0"/>
                     </a:p>
                   </a:txBody>
                   <a:tcPr>
@@ -22347,7 +22299,7 @@
                   </a:ext>
                 </a:extLst>
               </a:tr>
-              <a:tr h="338853">
+              <a:tr h="365760">
                 <a:tc>
                   <a:txBody>
                     <a:bodyPr/>
@@ -22355,18 +22307,18 @@
                     <a:p>
                       <a:pPr algn="ctr"/>
                       <a:r>
-                        <a:rPr lang="en-US" dirty="0"/>
+                        <a:rPr lang="en-US" sz="1800" dirty="0"/>
                         <a:t>a[</a:t>
                       </a:r>
                       <a:r>
-                        <a:rPr lang="ru-RU" dirty="0"/>
+                        <a:rPr lang="ru-RU" sz="1800" dirty="0"/>
                         <a:t>5</a:t>
                       </a:r>
                       <a:r>
-                        <a:rPr lang="en-US" dirty="0"/>
+                        <a:rPr lang="en-US" sz="1800" dirty="0"/>
                         <a:t>]</a:t>
                       </a:r>
-                      <a:endParaRPr lang="ru-RU" b="1" dirty="0"/>
+                      <a:endParaRPr lang="ru-RU" sz="1800" b="1" dirty="0"/>
                     </a:p>
                   </a:txBody>
                   <a:tcPr>
@@ -22381,7 +22333,7 @@
                   </a:ext>
                 </a:extLst>
               </a:tr>
-              <a:tr h="338853">
+              <a:tr h="365760">
                 <a:tc>
                   <a:txBody>
                     <a:bodyPr/>
@@ -22389,18 +22341,18 @@
                     <a:p>
                       <a:pPr algn="ctr"/>
                       <a:r>
-                        <a:rPr lang="en-US" dirty="0"/>
+                        <a:rPr lang="en-US" sz="1800" dirty="0"/>
                         <a:t>a[</a:t>
                       </a:r>
                       <a:r>
-                        <a:rPr lang="ru-RU" dirty="0"/>
+                        <a:rPr lang="ru-RU" sz="1800" dirty="0"/>
                         <a:t>4</a:t>
                       </a:r>
                       <a:r>
-                        <a:rPr lang="en-US" dirty="0"/>
+                        <a:rPr lang="en-US" sz="1800" dirty="0"/>
                         <a:t>]</a:t>
                       </a:r>
-                      <a:endParaRPr lang="ru-RU" b="1" dirty="0"/>
+                      <a:endParaRPr lang="ru-RU" sz="1800" b="1" dirty="0"/>
                     </a:p>
                   </a:txBody>
                   <a:tcPr>
@@ -22415,7 +22367,7 @@
                   </a:ext>
                 </a:extLst>
               </a:tr>
-              <a:tr h="338853">
+              <a:tr h="365760">
                 <a:tc>
                   <a:txBody>
                     <a:bodyPr/>
@@ -22423,18 +22375,18 @@
                     <a:p>
                       <a:pPr algn="ctr"/>
                       <a:r>
-                        <a:rPr lang="en-US" dirty="0"/>
+                        <a:rPr lang="en-US" sz="1800" dirty="0"/>
                         <a:t>a[</a:t>
                       </a:r>
                       <a:r>
-                        <a:rPr lang="ru-RU" dirty="0"/>
+                        <a:rPr lang="ru-RU" sz="1800" dirty="0"/>
                         <a:t>3</a:t>
                       </a:r>
                       <a:r>
-                        <a:rPr lang="en-US" dirty="0"/>
+                        <a:rPr lang="en-US" sz="1800" dirty="0"/>
                         <a:t>]</a:t>
                       </a:r>
-                      <a:endParaRPr lang="ru-RU" dirty="0"/>
+                      <a:endParaRPr lang="ru-RU" sz="1800" dirty="0"/>
                     </a:p>
                   </a:txBody>
                   <a:tcPr>
@@ -22449,7 +22401,7 @@
                   </a:ext>
                 </a:extLst>
               </a:tr>
-              <a:tr h="338853">
+              <a:tr h="365760">
                 <a:tc>
                   <a:txBody>
                     <a:bodyPr/>
@@ -22473,18 +22425,18 @@
                         <a:defRPr/>
                       </a:pPr>
                       <a:r>
-                        <a:rPr lang="en-US" dirty="0"/>
+                        <a:rPr lang="en-US" sz="1800" dirty="0"/>
                         <a:t>a[</a:t>
                       </a:r>
                       <a:r>
-                        <a:rPr lang="ru-RU" dirty="0"/>
+                        <a:rPr lang="ru-RU" sz="1800" dirty="0"/>
                         <a:t>2</a:t>
                       </a:r>
                       <a:r>
-                        <a:rPr lang="en-US" dirty="0"/>
+                        <a:rPr lang="en-US" sz="1800" dirty="0"/>
                         <a:t>]</a:t>
                       </a:r>
-                      <a:endParaRPr lang="ru-RU" dirty="0"/>
+                      <a:endParaRPr lang="ru-RU" sz="1800" dirty="0"/>
                     </a:p>
                   </a:txBody>
                   <a:tcPr>
@@ -22499,7 +22451,7 @@
                   </a:ext>
                 </a:extLst>
               </a:tr>
-              <a:tr h="338853">
+              <a:tr h="365760">
                 <a:tc>
                   <a:txBody>
                     <a:bodyPr/>
@@ -22523,18 +22475,18 @@
                         <a:defRPr/>
                       </a:pPr>
                       <a:r>
-                        <a:rPr lang="en-US" dirty="0"/>
+                        <a:rPr lang="en-US" sz="1800" dirty="0"/>
                         <a:t>a[</a:t>
                       </a:r>
                       <a:r>
-                        <a:rPr lang="ru-RU" dirty="0"/>
+                        <a:rPr lang="ru-RU" sz="1800" dirty="0"/>
                         <a:t>1</a:t>
                       </a:r>
                       <a:r>
-                        <a:rPr lang="en-US" dirty="0"/>
+                        <a:rPr lang="en-US" sz="1800" dirty="0"/>
                         <a:t>]</a:t>
                       </a:r>
-                      <a:endParaRPr lang="ru-RU" dirty="0"/>
+                      <a:endParaRPr lang="ru-RU" sz="1800" dirty="0"/>
                     </a:p>
                   </a:txBody>
                   <a:tcPr>
@@ -22549,7 +22501,7 @@
                   </a:ext>
                 </a:extLst>
               </a:tr>
-              <a:tr h="338853">
+              <a:tr h="365760">
                 <a:tc>
                   <a:txBody>
                     <a:bodyPr/>
@@ -22557,18 +22509,18 @@
                     <a:p>
                       <a:pPr algn="ctr"/>
                       <a:r>
-                        <a:rPr lang="en-US" dirty="0"/>
+                        <a:rPr lang="en-US" sz="1800" dirty="0"/>
                         <a:t>a[</a:t>
                       </a:r>
                       <a:r>
-                        <a:rPr lang="ru-RU" dirty="0"/>
+                        <a:rPr lang="ru-RU" sz="1800" dirty="0"/>
                         <a:t>0</a:t>
                       </a:r>
                       <a:r>
-                        <a:rPr lang="en-US" dirty="0"/>
+                        <a:rPr lang="en-US" sz="1800" dirty="0"/>
                         <a:t>]</a:t>
                       </a:r>
-                      <a:endParaRPr lang="ru-RU" b="1" dirty="0">
+                      <a:endParaRPr lang="ru-RU" sz="1800" b="1" dirty="0">
                         <a:solidFill>
                           <a:schemeClr val="bg1"/>
                         </a:solidFill>
@@ -22587,7 +22539,7 @@
                   </a:ext>
                 </a:extLst>
               </a:tr>
-              <a:tr h="338853">
+              <a:tr h="365760">
                 <a:tc>
                   <a:txBody>
                     <a:bodyPr/>
@@ -22595,10 +22547,14 @@
                     <a:p>
                       <a:pPr algn="ctr"/>
                       <a:r>
-                        <a:rPr lang="ru-RU" dirty="0"/>
-                        <a:t>Адрес возврата в загрузчик</a:t>
+                        <a:rPr lang="ru-RU" sz="1800" dirty="0"/>
+                        <a:t>Адрес возврата из </a:t>
                       </a:r>
-                      <a:endParaRPr lang="ru-RU" b="1" dirty="0">
+                      <a:r>
+                        <a:rPr lang="en-US" sz="1800" dirty="0"/>
+                        <a:t>main</a:t>
+                      </a:r>
+                      <a:endParaRPr lang="ru-RU" sz="1800" b="1" dirty="0">
                         <a:solidFill>
                           <a:schemeClr val="bg1"/>
                         </a:solidFill>
@@ -22632,7 +22588,7 @@
         </p:nvGrpSpPr>
         <p:grpSpPr>
           <a:xfrm>
-            <a:off x="7898410" y="2171668"/>
+            <a:off x="7929993" y="2131847"/>
             <a:ext cx="348544" cy="3383027"/>
             <a:chOff x="7895618" y="2403647"/>
             <a:chExt cx="348544" cy="3383027"/>
@@ -22760,6 +22716,46 @@
           </p:txBody>
         </p:sp>
       </p:grpSp>
+      <p:sp>
+        <p:nvSpPr>
+          <p:cNvPr id="7" name="TextBox 6">
+            <a:extLst>
+              <a:ext uri="{FF2B5EF4-FFF2-40B4-BE49-F238E27FC236}">
+                <a16:creationId xmlns:a16="http://schemas.microsoft.com/office/drawing/2014/main" id="{BCB84594-0BC9-3218-775A-3231CCABA91A}"/>
+              </a:ext>
+            </a:extLst>
+          </p:cNvPr>
+          <p:cNvSpPr txBox="1"/>
+          <p:nvPr/>
+        </p:nvSpPr>
+        <p:spPr>
+          <a:xfrm rot="16200000">
+            <a:off x="6526377" y="3638694"/>
+            <a:ext cx="2166875" cy="369332"/>
+          </a:xfrm>
+          <a:prstGeom prst="rect">
+            <a:avLst/>
+          </a:prstGeom>
+          <a:noFill/>
+        </p:spPr>
+        <p:txBody>
+          <a:bodyPr wrap="none" rtlCol="0">
+            <a:spAutoFit/>
+          </a:bodyPr>
+          <a:lstStyle/>
+          <a:p>
+            <a:r>
+              <a:rPr lang="ru-RU" dirty="0"/>
+              <a:t>Стековый кадр </a:t>
+            </a:r>
+            <a:r>
+              <a:rPr lang="en-US" dirty="0"/>
+              <a:t>main</a:t>
+            </a:r>
+            <a:endParaRPr lang="ru-RU" dirty="0"/>
+          </a:p>
+        </p:txBody>
+      </p:sp>
     </p:spTree>
     <p:extLst>
       <p:ext uri="{BB962C8B-B14F-4D97-AF65-F5344CB8AC3E}">
@@ -22810,7 +22806,7 @@
             <a:pPr algn="l"/>
             <a:r>
               <a:rPr lang="ru-RU" dirty="0"/>
-              <a:t>Описание функций на языке Си</a:t>
+              <a:t>Определение функций на языке Си</a:t>
             </a:r>
             <a:r>
               <a:rPr lang="en-US" baseline="30000" dirty="0"/>
@@ -23177,7 +23173,7 @@
             <a:pPr algn="l"/>
             <a:r>
               <a:rPr lang="ru-RU" dirty="0"/>
-              <a:t>Описание функций на языке Си</a:t>
+              <a:t>Определение функций на языке Си</a:t>
             </a:r>
             <a:r>
               <a:rPr lang="en-US" baseline="30000" dirty="0"/>
@@ -23557,7 +23553,7 @@
             <a:pPr algn="l"/>
             <a:r>
               <a:rPr lang="ru-RU" dirty="0"/>
-              <a:t>Описание функций на языке Си</a:t>
+              <a:t>Определение функций на языке Си</a:t>
             </a:r>
             <a:r>
               <a:rPr lang="en-US" baseline="30000" dirty="0"/>
@@ -23977,7 +23973,7 @@
             <a:pPr algn="l"/>
             <a:r>
               <a:rPr lang="ru-RU" dirty="0"/>
-              <a:t>Описание функций на языке Си</a:t>
+              <a:t>Определение функций на языке Си</a:t>
             </a:r>
             <a:r>
               <a:rPr lang="en-US" baseline="30000" dirty="0"/>
@@ -24385,7 +24381,7 @@
             <a:pPr algn="l"/>
             <a:r>
               <a:rPr lang="ru-RU" dirty="0"/>
-              <a:t>Описание функций на языке Си</a:t>
+              <a:t>Определение функций на языке Си</a:t>
             </a:r>
             <a:r>
               <a:rPr lang="en-US" baseline="30000" dirty="0"/>
@@ -24777,7 +24773,7 @@
             <a:pPr algn="l"/>
             <a:r>
               <a:rPr lang="ru-RU" dirty="0"/>
-              <a:t>Описание функций на языке Си</a:t>
+              <a:t>Определение функций на языке Си</a:t>
             </a:r>
             <a:r>
               <a:rPr lang="en-US" baseline="30000" dirty="0"/>
@@ -25165,7 +25161,7 @@
             <a:pPr algn="l"/>
             <a:r>
               <a:rPr lang="ru-RU" dirty="0"/>
-              <a:t>Описание функций на языке Си</a:t>
+              <a:t>Определение функций на языке Си</a:t>
             </a:r>
             <a:r>
               <a:rPr lang="en-US" baseline="30000" dirty="0"/>
@@ -25913,15 +25909,11 @@
             <a:pPr algn="l"/>
             <a:r>
               <a:rPr lang="ru-RU" dirty="0"/>
-              <a:t>Прототип до и после </a:t>
+              <a:t>Определение функций до и после </a:t>
             </a:r>
             <a:r>
               <a:rPr lang="en-US" dirty="0"/>
               <a:t>C89</a:t>
-            </a:r>
-            <a:r>
-              <a:rPr lang="en-US" baseline="30000" dirty="0"/>
-              <a:t> h = 10Km</a:t>
             </a:r>
             <a:endParaRPr lang="ru-RU" dirty="0"/>
           </a:p>
@@ -26195,15 +26187,11 @@
             <a:pPr algn="l"/>
             <a:r>
               <a:rPr lang="ru-RU" dirty="0"/>
-              <a:t>Прототип до и после </a:t>
+              <a:t>Определение функций до и после </a:t>
             </a:r>
             <a:r>
               <a:rPr lang="en-US" dirty="0"/>
               <a:t>C89</a:t>
-            </a:r>
-            <a:r>
-              <a:rPr lang="en-US" baseline="30000" dirty="0"/>
-              <a:t> h = 10Km</a:t>
             </a:r>
             <a:endParaRPr lang="ru-RU" dirty="0"/>
           </a:p>
@@ -26437,15 +26425,11 @@
             <a:pPr algn="l"/>
             <a:r>
               <a:rPr lang="ru-RU" dirty="0"/>
-              <a:t>Прототип до и после </a:t>
+              <a:t>Определение функций до и после </a:t>
             </a:r>
             <a:r>
               <a:rPr lang="en-US" dirty="0"/>
               <a:t>C89</a:t>
-            </a:r>
-            <a:r>
-              <a:rPr lang="en-US" baseline="30000" dirty="0"/>
-              <a:t> h = 10Km</a:t>
             </a:r>
             <a:endParaRPr lang="ru-RU" dirty="0"/>
           </a:p>
@@ -26675,15 +26659,11 @@
             <a:pPr algn="l"/>
             <a:r>
               <a:rPr lang="ru-RU" dirty="0"/>
-              <a:t>Прототип до и после </a:t>
+              <a:t>Определение функций до и после </a:t>
             </a:r>
             <a:r>
               <a:rPr lang="en-US" dirty="0"/>
               <a:t>C89</a:t>
-            </a:r>
-            <a:r>
-              <a:rPr lang="en-US" baseline="30000" dirty="0"/>
-              <a:t> h = 10Km</a:t>
             </a:r>
             <a:endParaRPr lang="ru-RU" dirty="0"/>
           </a:p>
@@ -27114,15 +27094,11 @@
             <a:pPr algn="l"/>
             <a:r>
               <a:rPr lang="ru-RU" dirty="0"/>
-              <a:t>Прототип до и после </a:t>
+              <a:t>Определение функций до и после </a:t>
             </a:r>
             <a:r>
               <a:rPr lang="en-US" dirty="0"/>
               <a:t>C89</a:t>
-            </a:r>
-            <a:r>
-              <a:rPr lang="en-US" baseline="30000" dirty="0"/>
-              <a:t> h = 10Km</a:t>
             </a:r>
             <a:endParaRPr lang="ru-RU" dirty="0"/>
           </a:p>
@@ -27525,15 +27501,11 @@
             <a:pPr algn="l"/>
             <a:r>
               <a:rPr lang="ru-RU" dirty="0"/>
-              <a:t>Прототип до и после </a:t>
+              <a:t>Определение функций до и после </a:t>
             </a:r>
             <a:r>
               <a:rPr lang="en-US" dirty="0"/>
               <a:t>C89</a:t>
-            </a:r>
-            <a:r>
-              <a:rPr lang="en-US" baseline="30000" dirty="0"/>
-              <a:t> h = 10Km</a:t>
             </a:r>
             <a:endParaRPr lang="ru-RU" dirty="0"/>
           </a:p>
@@ -27932,15 +27904,11 @@
             <a:pPr algn="l"/>
             <a:r>
               <a:rPr lang="ru-RU" dirty="0"/>
-              <a:t>Прототип до и после </a:t>
+              <a:t>Определение функций до и после </a:t>
             </a:r>
             <a:r>
               <a:rPr lang="en-US" dirty="0"/>
               <a:t>C89</a:t>
-            </a:r>
-            <a:r>
-              <a:rPr lang="en-US" baseline="30000" dirty="0"/>
-              <a:t> h = 10Km</a:t>
             </a:r>
             <a:endParaRPr lang="ru-RU" dirty="0"/>
           </a:p>
@@ -28323,15 +28291,11 @@
             <a:pPr algn="l"/>
             <a:r>
               <a:rPr lang="ru-RU" dirty="0"/>
-              <a:t>Прототип до и после </a:t>
+              <a:t>Определение функций до и после </a:t>
             </a:r>
             <a:r>
               <a:rPr lang="en-US" dirty="0"/>
               <a:t>C89</a:t>
-            </a:r>
-            <a:r>
-              <a:rPr lang="en-US" baseline="30000" dirty="0"/>
-              <a:t> h = 10Km</a:t>
             </a:r>
             <a:endParaRPr lang="ru-RU" dirty="0"/>
           </a:p>
@@ -28488,13 +28452,31 @@
           <a:lstStyle/>
           <a:p>
             <a:r>
+              <a:rPr lang="en-US" dirty="0">
+                <a:solidFill>
+                  <a:srgbClr val="569CD6"/>
+                </a:solidFill>
+                <a:latin typeface="Consolas" panose="020B0609020204030204" pitchFamily="49" charset="0"/>
+              </a:rPr>
+              <a:t>int</a:t>
+            </a:r>
+            <a:r>
+              <a:rPr lang="en-US" dirty="0">
+                <a:solidFill>
+                  <a:srgbClr val="D4D4D4"/>
+                </a:solidFill>
+                <a:latin typeface="Consolas" panose="020B0609020204030204" pitchFamily="49" charset="0"/>
+              </a:rPr>
+              <a:t> </a:t>
+            </a:r>
+            <a:r>
               <a:rPr lang="en-US" dirty="0" err="1">
                 <a:solidFill>
-                  <a:srgbClr val="569CD6"/>
-                </a:solidFill>
-                <a:latin typeface="Consolas" panose="020B0609020204030204" pitchFamily="49" charset="0"/>
-              </a:rPr>
-              <a:t>int</a:t>
+                  <a:srgbClr val="DCDCAA"/>
+                </a:solidFill>
+                <a:latin typeface="Consolas" panose="020B0609020204030204" pitchFamily="49" charset="0"/>
+              </a:rPr>
+              <a:t>AddIntInt</a:t>
             </a:r>
             <a:r>
               <a:rPr lang="en-US" dirty="0">
@@ -28503,79 +28485,16 @@
                 </a:solidFill>
                 <a:latin typeface="Consolas" panose="020B0609020204030204" pitchFamily="49" charset="0"/>
               </a:rPr>
-              <a:t> </a:t>
-            </a:r>
-            <a:r>
-              <a:rPr lang="en-US" dirty="0" err="1">
-                <a:solidFill>
-                  <a:srgbClr val="DCDCAA"/>
-                </a:solidFill>
-                <a:latin typeface="Consolas" panose="020B0609020204030204" pitchFamily="49" charset="0"/>
-              </a:rPr>
-              <a:t>AddIntInt</a:t>
-            </a:r>
-            <a:r>
-              <a:rPr lang="en-US" dirty="0">
+              <a:t>(x, </a:t>
+            </a:r>
+            <a:r>
+              <a:rPr lang="en-US">
                 <a:solidFill>
                   <a:srgbClr val="D4D4D4"/>
                 </a:solidFill>
                 <a:latin typeface="Consolas" panose="020B0609020204030204" pitchFamily="49" charset="0"/>
               </a:rPr>
-              <a:t>(x, y)</a:t>
-            </a:r>
-            <a:r>
-              <a:rPr lang="ru-RU" dirty="0">
-                <a:solidFill>
-                  <a:srgbClr val="6A9955"/>
-                </a:solidFill>
-                <a:latin typeface="Consolas" panose="020B0609020204030204" pitchFamily="49" charset="0"/>
-              </a:rPr>
-              <a:t> </a:t>
-            </a:r>
-            <a:r>
-              <a:rPr lang="ru-RU" sz="1600" dirty="0">
-                <a:solidFill>
-                  <a:srgbClr val="6A9955"/>
-                </a:solidFill>
-                <a:latin typeface="Consolas" panose="020B0609020204030204" pitchFamily="49" charset="0"/>
-              </a:rPr>
-              <a:t>// даже </a:t>
-            </a:r>
-            <a:r>
-              <a:rPr lang="en-US" sz="1600" dirty="0" err="1">
-                <a:solidFill>
-                  <a:srgbClr val="6A9955"/>
-                </a:solidFill>
-                <a:latin typeface="Consolas" panose="020B0609020204030204" pitchFamily="49" charset="0"/>
-              </a:rPr>
-              <a:t>int</a:t>
-            </a:r>
-            <a:r>
-              <a:rPr lang="en-US" sz="1600" dirty="0">
-                <a:solidFill>
-                  <a:srgbClr val="6A9955"/>
-                </a:solidFill>
-                <a:latin typeface="Consolas" panose="020B0609020204030204" pitchFamily="49" charset="0"/>
-              </a:rPr>
-              <a:t> </a:t>
-            </a:r>
-            <a:r>
-              <a:rPr lang="en-US" sz="1600" dirty="0" err="1">
-                <a:solidFill>
-                  <a:srgbClr val="6A9955"/>
-                </a:solidFill>
-                <a:latin typeface="Consolas" panose="020B0609020204030204" pitchFamily="49" charset="0"/>
-              </a:rPr>
-              <a:t>AddIntInt</a:t>
-            </a:r>
-            <a:r>
-              <a:rPr lang="en-US" sz="1600" dirty="0">
-                <a:solidFill>
-                  <a:srgbClr val="6A9955"/>
-                </a:solidFill>
-                <a:latin typeface="Consolas" panose="020B0609020204030204" pitchFamily="49" charset="0"/>
-              </a:rPr>
-              <a:t>();</a:t>
+              <a:t>y)</a:t>
             </a:r>
             <a:endParaRPr lang="en-US" dirty="0">
               <a:solidFill>
